--- a/front-end/img/bbox-case/ijmond-ui-explain.pptx
+++ b/front-end/img/bbox-case/ijmond-ui-explain.pptx
@@ -243,7 +243,7 @@
           <a:p>
             <a:fld id="{D47BB597-94FA-3141-8CC7-285751CA3726}" type="datetimeFigureOut">
               <a:rPr lang="en-US" smtClean="0"/>
-              <a:t>3/14/25</a:t>
+              <a:t>3/25/25</a:t>
             </a:fld>
             <a:endParaRPr lang="en-US"/>
           </a:p>
@@ -413,7 +413,7 @@
           <a:p>
             <a:fld id="{D47BB597-94FA-3141-8CC7-285751CA3726}" type="datetimeFigureOut">
               <a:rPr lang="en-US" smtClean="0"/>
-              <a:t>3/14/25</a:t>
+              <a:t>3/25/25</a:t>
             </a:fld>
             <a:endParaRPr lang="en-US"/>
           </a:p>
@@ -593,7 +593,7 @@
           <a:p>
             <a:fld id="{D47BB597-94FA-3141-8CC7-285751CA3726}" type="datetimeFigureOut">
               <a:rPr lang="en-US" smtClean="0"/>
-              <a:t>3/14/25</a:t>
+              <a:t>3/25/25</a:t>
             </a:fld>
             <a:endParaRPr lang="en-US"/>
           </a:p>
@@ -763,7 +763,7 @@
           <a:p>
             <a:fld id="{D47BB597-94FA-3141-8CC7-285751CA3726}" type="datetimeFigureOut">
               <a:rPr lang="en-US" smtClean="0"/>
-              <a:t>3/14/25</a:t>
+              <a:t>3/25/25</a:t>
             </a:fld>
             <a:endParaRPr lang="en-US"/>
           </a:p>
@@ -1009,7 +1009,7 @@
           <a:p>
             <a:fld id="{D47BB597-94FA-3141-8CC7-285751CA3726}" type="datetimeFigureOut">
               <a:rPr lang="en-US" smtClean="0"/>
-              <a:t>3/14/25</a:t>
+              <a:t>3/25/25</a:t>
             </a:fld>
             <a:endParaRPr lang="en-US"/>
           </a:p>
@@ -1241,7 +1241,7 @@
           <a:p>
             <a:fld id="{D47BB597-94FA-3141-8CC7-285751CA3726}" type="datetimeFigureOut">
               <a:rPr lang="en-US" smtClean="0"/>
-              <a:t>3/14/25</a:t>
+              <a:t>3/25/25</a:t>
             </a:fld>
             <a:endParaRPr lang="en-US"/>
           </a:p>
@@ -1608,7 +1608,7 @@
           <a:p>
             <a:fld id="{D47BB597-94FA-3141-8CC7-285751CA3726}" type="datetimeFigureOut">
               <a:rPr lang="en-US" smtClean="0"/>
-              <a:t>3/14/25</a:t>
+              <a:t>3/25/25</a:t>
             </a:fld>
             <a:endParaRPr lang="en-US"/>
           </a:p>
@@ -1726,7 +1726,7 @@
           <a:p>
             <a:fld id="{D47BB597-94FA-3141-8CC7-285751CA3726}" type="datetimeFigureOut">
               <a:rPr lang="en-US" smtClean="0"/>
-              <a:t>3/14/25</a:t>
+              <a:t>3/25/25</a:t>
             </a:fld>
             <a:endParaRPr lang="en-US"/>
           </a:p>
@@ -1821,7 +1821,7 @@
           <a:p>
             <a:fld id="{D47BB597-94FA-3141-8CC7-285751CA3726}" type="datetimeFigureOut">
               <a:rPr lang="en-US" smtClean="0"/>
-              <a:t>3/14/25</a:t>
+              <a:t>3/25/25</a:t>
             </a:fld>
             <a:endParaRPr lang="en-US"/>
           </a:p>
@@ -2098,7 +2098,7 @@
           <a:p>
             <a:fld id="{D47BB597-94FA-3141-8CC7-285751CA3726}" type="datetimeFigureOut">
               <a:rPr lang="en-US" smtClean="0"/>
-              <a:t>3/14/25</a:t>
+              <a:t>3/25/25</a:t>
             </a:fld>
             <a:endParaRPr lang="en-US"/>
           </a:p>
@@ -2355,7 +2355,7 @@
           <a:p>
             <a:fld id="{D47BB597-94FA-3141-8CC7-285751CA3726}" type="datetimeFigureOut">
               <a:rPr lang="en-US" smtClean="0"/>
-              <a:t>3/14/25</a:t>
+              <a:t>3/25/25</a:t>
             </a:fld>
             <a:endParaRPr lang="en-US"/>
           </a:p>
@@ -2568,7 +2568,7 @@
           <a:p>
             <a:fld id="{D47BB597-94FA-3141-8CC7-285751CA3726}" type="datetimeFigureOut">
               <a:rPr lang="en-US" smtClean="0"/>
-              <a:t>3/14/25</a:t>
+              <a:t>3/25/25</a:t>
             </a:fld>
             <a:endParaRPr lang="en-US"/>
           </a:p>
@@ -3065,7 +3065,7 @@
         </p:nvSpPr>
         <p:spPr>
           <a:xfrm>
-            <a:off x="5064365" y="1351341"/>
+            <a:off x="5064365" y="1765038"/>
             <a:ext cx="2018717" cy="461665"/>
           </a:xfrm>
           <a:prstGeom prst="rect">
@@ -3387,8 +3387,8 @@
         </p:nvSpPr>
         <p:spPr>
           <a:xfrm flipV="1">
-            <a:off x="2356338" y="1560230"/>
-            <a:ext cx="2743201" cy="873477"/>
+            <a:off x="2356338" y="2009005"/>
+            <a:ext cx="2743201" cy="424701"/>
           </a:xfrm>
           <a:custGeom>
             <a:avLst/>
@@ -4858,6 +4858,248 @@
           <a:p>
             <a:pPr algn="ctr"/>
             <a:endParaRPr lang="nl-NL" b="1" noProof="0" dirty="0"/>
+          </a:p>
+        </p:txBody>
+      </p:sp>
+      <p:sp>
+        <p:nvSpPr>
+          <p:cNvPr id="2" name="Freeform 1">
+            <a:extLst>
+              <a:ext uri="{FF2B5EF4-FFF2-40B4-BE49-F238E27FC236}">
+                <a16:creationId xmlns:a16="http://schemas.microsoft.com/office/drawing/2014/main" id="{8F960932-29E6-2AC5-75AA-0272CCB1F4C3}"/>
+              </a:ext>
+            </a:extLst>
+          </p:cNvPr>
+          <p:cNvSpPr/>
+          <p:nvPr/>
+        </p:nvSpPr>
+        <p:spPr>
+          <a:xfrm flipV="1">
+            <a:off x="4269996" y="1406709"/>
+            <a:ext cx="826732" cy="86986"/>
+          </a:xfrm>
+          <a:custGeom>
+            <a:avLst/>
+            <a:gdLst>
+              <a:gd name="connsiteX0" fmla="*/ 0 w 1603717"/>
+              <a:gd name="connsiteY0" fmla="*/ 77647 h 218945"/>
+              <a:gd name="connsiteX1" fmla="*/ 337625 w 1603717"/>
+              <a:gd name="connsiteY1" fmla="*/ 218324 h 218945"/>
+              <a:gd name="connsiteX2" fmla="*/ 717452 w 1603717"/>
+              <a:gd name="connsiteY2" fmla="*/ 28411 h 218945"/>
+              <a:gd name="connsiteX3" fmla="*/ 1209822 w 1603717"/>
+              <a:gd name="connsiteY3" fmla="*/ 275 h 218945"/>
+              <a:gd name="connsiteX4" fmla="*/ 1603717 w 1603717"/>
+              <a:gd name="connsiteY4" fmla="*/ 21377 h 218945"/>
+              <a:gd name="connsiteX0" fmla="*/ 0 w 1603717"/>
+              <a:gd name="connsiteY0" fmla="*/ 77458 h 218756"/>
+              <a:gd name="connsiteX1" fmla="*/ 337625 w 1603717"/>
+              <a:gd name="connsiteY1" fmla="*/ 218135 h 218756"/>
+              <a:gd name="connsiteX2" fmla="*/ 717452 w 1603717"/>
+              <a:gd name="connsiteY2" fmla="*/ 28222 h 218756"/>
+              <a:gd name="connsiteX3" fmla="*/ 1056808 w 1603717"/>
+              <a:gd name="connsiteY3" fmla="*/ 92139 h 218756"/>
+              <a:gd name="connsiteX4" fmla="*/ 1209822 w 1603717"/>
+              <a:gd name="connsiteY4" fmla="*/ 86 h 218756"/>
+              <a:gd name="connsiteX5" fmla="*/ 1603717 w 1603717"/>
+              <a:gd name="connsiteY5" fmla="*/ 21188 h 218756"/>
+              <a:gd name="connsiteX0" fmla="*/ 0 w 1603717"/>
+              <a:gd name="connsiteY0" fmla="*/ 77647 h 218945"/>
+              <a:gd name="connsiteX1" fmla="*/ 337625 w 1603717"/>
+              <a:gd name="connsiteY1" fmla="*/ 218324 h 218945"/>
+              <a:gd name="connsiteX2" fmla="*/ 717452 w 1603717"/>
+              <a:gd name="connsiteY2" fmla="*/ 28411 h 218945"/>
+              <a:gd name="connsiteX3" fmla="*/ 1209822 w 1603717"/>
+              <a:gd name="connsiteY3" fmla="*/ 275 h 218945"/>
+              <a:gd name="connsiteX4" fmla="*/ 1603717 w 1603717"/>
+              <a:gd name="connsiteY4" fmla="*/ 21377 h 218945"/>
+              <a:gd name="connsiteX0" fmla="*/ 0 w 1603717"/>
+              <a:gd name="connsiteY0" fmla="*/ 57005 h 198303"/>
+              <a:gd name="connsiteX1" fmla="*/ 337625 w 1603717"/>
+              <a:gd name="connsiteY1" fmla="*/ 197682 h 198303"/>
+              <a:gd name="connsiteX2" fmla="*/ 717452 w 1603717"/>
+              <a:gd name="connsiteY2" fmla="*/ 7769 h 198303"/>
+              <a:gd name="connsiteX3" fmla="*/ 1226270 w 1603717"/>
+              <a:gd name="connsiteY3" fmla="*/ 109899 h 198303"/>
+              <a:gd name="connsiteX4" fmla="*/ 1603717 w 1603717"/>
+              <a:gd name="connsiteY4" fmla="*/ 735 h 198303"/>
+              <a:gd name="connsiteX0" fmla="*/ 0 w 1603717"/>
+              <a:gd name="connsiteY0" fmla="*/ 65501 h 206799"/>
+              <a:gd name="connsiteX1" fmla="*/ 337625 w 1603717"/>
+              <a:gd name="connsiteY1" fmla="*/ 206178 h 206799"/>
+              <a:gd name="connsiteX2" fmla="*/ 717452 w 1603717"/>
+              <a:gd name="connsiteY2" fmla="*/ 16265 h 206799"/>
+              <a:gd name="connsiteX3" fmla="*/ 1603717 w 1603717"/>
+              <a:gd name="connsiteY3" fmla="*/ 9231 h 206799"/>
+              <a:gd name="connsiteX0" fmla="*/ 0 w 1574932"/>
+              <a:gd name="connsiteY0" fmla="*/ 49829 h 191127"/>
+              <a:gd name="connsiteX1" fmla="*/ 337625 w 1574932"/>
+              <a:gd name="connsiteY1" fmla="*/ 190506 h 191127"/>
+              <a:gd name="connsiteX2" fmla="*/ 717452 w 1574932"/>
+              <a:gd name="connsiteY2" fmla="*/ 593 h 191127"/>
+              <a:gd name="connsiteX3" fmla="*/ 1574932 w 1574932"/>
+              <a:gd name="connsiteY3" fmla="*/ 126283 h 191127"/>
+              <a:gd name="connsiteX0" fmla="*/ 0 w 1574932"/>
+              <a:gd name="connsiteY0" fmla="*/ 47381 h 188624"/>
+              <a:gd name="connsiteX1" fmla="*/ 337625 w 1574932"/>
+              <a:gd name="connsiteY1" fmla="*/ 188058 h 188624"/>
+              <a:gd name="connsiteX2" fmla="*/ 935393 w 1574932"/>
+              <a:gd name="connsiteY2" fmla="*/ 603 h 188624"/>
+              <a:gd name="connsiteX3" fmla="*/ 1574932 w 1574932"/>
+              <a:gd name="connsiteY3" fmla="*/ 123835 h 188624"/>
+              <a:gd name="connsiteX0" fmla="*/ 0 w 1574932"/>
+              <a:gd name="connsiteY0" fmla="*/ 48934 h 125402"/>
+              <a:gd name="connsiteX1" fmla="*/ 456876 w 1574932"/>
+              <a:gd name="connsiteY1" fmla="*/ 47056 h 125402"/>
+              <a:gd name="connsiteX2" fmla="*/ 935393 w 1574932"/>
+              <a:gd name="connsiteY2" fmla="*/ 2156 h 125402"/>
+              <a:gd name="connsiteX3" fmla="*/ 1574932 w 1574932"/>
+              <a:gd name="connsiteY3" fmla="*/ 125388 h 125402"/>
+              <a:gd name="connsiteX0" fmla="*/ 0 w 1529699"/>
+              <a:gd name="connsiteY0" fmla="*/ 0 h 290301"/>
+              <a:gd name="connsiteX1" fmla="*/ 411643 w 1529699"/>
+              <a:gd name="connsiteY1" fmla="*/ 211955 h 290301"/>
+              <a:gd name="connsiteX2" fmla="*/ 890160 w 1529699"/>
+              <a:gd name="connsiteY2" fmla="*/ 167055 h 290301"/>
+              <a:gd name="connsiteX3" fmla="*/ 1529699 w 1529699"/>
+              <a:gd name="connsiteY3" fmla="*/ 290287 h 290301"/>
+              <a:gd name="connsiteX0" fmla="*/ 0 w 1529699"/>
+              <a:gd name="connsiteY0" fmla="*/ 0 h 290305"/>
+              <a:gd name="connsiteX1" fmla="*/ 646032 w 1529699"/>
+              <a:gd name="connsiteY1" fmla="*/ 52195 h 290305"/>
+              <a:gd name="connsiteX2" fmla="*/ 890160 w 1529699"/>
+              <a:gd name="connsiteY2" fmla="*/ 167055 h 290305"/>
+              <a:gd name="connsiteX3" fmla="*/ 1529699 w 1529699"/>
+              <a:gd name="connsiteY3" fmla="*/ 290287 h 290305"/>
+              <a:gd name="connsiteX0" fmla="*/ 0 w 1529699"/>
+              <a:gd name="connsiteY0" fmla="*/ 0 h 290373"/>
+              <a:gd name="connsiteX1" fmla="*/ 646032 w 1529699"/>
+              <a:gd name="connsiteY1" fmla="*/ 52195 h 290373"/>
+              <a:gd name="connsiteX2" fmla="*/ 1074365 w 1529699"/>
+              <a:gd name="connsiteY2" fmla="*/ 234872 h 290373"/>
+              <a:gd name="connsiteX3" fmla="*/ 1529699 w 1529699"/>
+              <a:gd name="connsiteY3" fmla="*/ 290287 h 290373"/>
+              <a:gd name="connsiteX0" fmla="*/ 0 w 1529699"/>
+              <a:gd name="connsiteY0" fmla="*/ 0 h 290402"/>
+              <a:gd name="connsiteX1" fmla="*/ 662050 w 1529699"/>
+              <a:gd name="connsiteY1" fmla="*/ 21794 h 290402"/>
+              <a:gd name="connsiteX2" fmla="*/ 1074365 w 1529699"/>
+              <a:gd name="connsiteY2" fmla="*/ 234872 h 290402"/>
+              <a:gd name="connsiteX3" fmla="*/ 1529699 w 1529699"/>
+              <a:gd name="connsiteY3" fmla="*/ 290287 h 290402"/>
+            </a:gdLst>
+            <a:ahLst/>
+            <a:cxnLst>
+              <a:cxn ang="0">
+                <a:pos x="connsiteX0" y="connsiteY0"/>
+              </a:cxn>
+              <a:cxn ang="0">
+                <a:pos x="connsiteX1" y="connsiteY1"/>
+              </a:cxn>
+              <a:cxn ang="0">
+                <a:pos x="connsiteX2" y="connsiteY2"/>
+              </a:cxn>
+              <a:cxn ang="0">
+                <a:pos x="connsiteX3" y="connsiteY3"/>
+              </a:cxn>
+            </a:cxnLst>
+            <a:rect l="l" t="t" r="r" b="b"/>
+            <a:pathLst>
+              <a:path w="1529699" h="290402">
+                <a:moveTo>
+                  <a:pt x="0" y="0"/>
+                </a:moveTo>
+                <a:cubicBezTo>
+                  <a:pt x="109025" y="74441"/>
+                  <a:pt x="482989" y="-17351"/>
+                  <a:pt x="662050" y="21794"/>
+                </a:cubicBezTo>
+                <a:cubicBezTo>
+                  <a:pt x="841111" y="60939"/>
+                  <a:pt x="929757" y="190123"/>
+                  <a:pt x="1074365" y="234872"/>
+                </a:cubicBezTo>
+                <a:cubicBezTo>
+                  <a:pt x="1218973" y="279621"/>
+                  <a:pt x="1345061" y="291752"/>
+                  <a:pt x="1529699" y="290287"/>
+                </a:cubicBezTo>
+              </a:path>
+            </a:pathLst>
+          </a:custGeom>
+          <a:noFill/>
+          <a:ln w="25400">
+            <a:solidFill>
+              <a:srgbClr val="FF0000">
+                <a:alpha val="64000"/>
+              </a:srgbClr>
+            </a:solidFill>
+            <a:prstDash val="sysDot"/>
+            <a:headEnd type="triangle" w="lg" len="lg"/>
+          </a:ln>
+        </p:spPr>
+        <p:style>
+          <a:lnRef idx="2">
+            <a:schemeClr val="accent1">
+              <a:shade val="15000"/>
+            </a:schemeClr>
+          </a:lnRef>
+          <a:fillRef idx="1">
+            <a:schemeClr val="accent1"/>
+          </a:fillRef>
+          <a:effectRef idx="0">
+            <a:schemeClr val="accent1"/>
+          </a:effectRef>
+          <a:fontRef idx="minor">
+            <a:schemeClr val="lt1"/>
+          </a:fontRef>
+        </p:style>
+        <p:txBody>
+          <a:bodyPr rtlCol="0" anchor="ctr"/>
+          <a:lstStyle/>
+          <a:p>
+            <a:pPr algn="ctr"/>
+            <a:endParaRPr lang="nl-NL" noProof="0" dirty="0"/>
+          </a:p>
+        </p:txBody>
+      </p:sp>
+      <p:sp>
+        <p:nvSpPr>
+          <p:cNvPr id="5" name="TextBox 4">
+            <a:extLst>
+              <a:ext uri="{FF2B5EF4-FFF2-40B4-BE49-F238E27FC236}">
+                <a16:creationId xmlns:a16="http://schemas.microsoft.com/office/drawing/2014/main" id="{1E6F77B5-BF64-FFA9-6FCE-326DDBB227E7}"/>
+              </a:ext>
+            </a:extLst>
+          </p:cNvPr>
+          <p:cNvSpPr txBox="1"/>
+          <p:nvPr/>
+        </p:nvSpPr>
+        <p:spPr>
+          <a:xfrm>
+            <a:off x="5064365" y="1164345"/>
+            <a:ext cx="2018717" cy="461665"/>
+          </a:xfrm>
+          <a:prstGeom prst="rect">
+            <a:avLst/>
+          </a:prstGeom>
+          <a:noFill/>
+        </p:spPr>
+        <p:txBody>
+          <a:bodyPr wrap="square" rtlCol="0">
+            <a:spAutoFit/>
+          </a:bodyPr>
+          <a:lstStyle/>
+          <a:p>
+            <a:r>
+              <a:rPr lang="nl-NL" sz="1200" noProof="0" dirty="0">
+                <a:solidFill>
+                  <a:srgbClr val="FF3B41"/>
+                </a:solidFill>
+                <a:latin typeface="Avenir Book" panose="02000503020000020003" pitchFamily="2" charset="0"/>
+              </a:rPr>
+              <a:t>Door AI gegenereerde kader  </a:t>
+            </a:r>
           </a:p>
         </p:txBody>
       </p:sp>
